--- a/Class Presentation.pptx
+++ b/Class Presentation.pptx
@@ -212,11 +212,11 @@
           <c:showBubbleSize val="0"/>
         </c:dLbls>
         <c:gapWidth val="150"/>
-        <c:axId val="-2057366088"/>
-        <c:axId val="-1986704856"/>
+        <c:axId val="-2133951688"/>
+        <c:axId val="2062368616"/>
       </c:barChart>
       <c:catAx>
-        <c:axId val="-2057366088"/>
+        <c:axId val="-2133951688"/>
         <c:scaling>
           <c:orientation val="minMax"/>
         </c:scaling>
@@ -225,7 +225,7 @@
         <c:majorTickMark val="out"/>
         <c:minorTickMark val="none"/>
         <c:tickLblPos val="nextTo"/>
-        <c:crossAx val="-1986704856"/>
+        <c:crossAx val="2062368616"/>
         <c:crosses val="autoZero"/>
         <c:auto val="1"/>
         <c:lblAlgn val="ctr"/>
@@ -233,7 +233,7 @@
         <c:noMultiLvlLbl val="0"/>
       </c:catAx>
       <c:valAx>
-        <c:axId val="-1986704856"/>
+        <c:axId val="2062368616"/>
         <c:scaling>
           <c:orientation val="minMax"/>
           <c:max val="100.0"/>
@@ -266,7 +266,7 @@
         <c:majorTickMark val="out"/>
         <c:minorTickMark val="none"/>
         <c:tickLblPos val="nextTo"/>
-        <c:crossAx val="-2057366088"/>
+        <c:crossAx val="-2133951688"/>
         <c:crosses val="autoZero"/>
         <c:crossBetween val="between"/>
       </c:valAx>
@@ -393,11 +393,11 @@
           <c:showBubbleSize val="0"/>
         </c:dLbls>
         <c:gapWidth val="150"/>
-        <c:axId val="-1986416296"/>
-        <c:axId val="-1986374424"/>
+        <c:axId val="2141517976"/>
+        <c:axId val="2141632184"/>
       </c:barChart>
       <c:catAx>
-        <c:axId val="-1986416296"/>
+        <c:axId val="2141517976"/>
         <c:scaling>
           <c:orientation val="minMax"/>
         </c:scaling>
@@ -438,7 +438,7 @@
         <c:majorTickMark val="out"/>
         <c:minorTickMark val="none"/>
         <c:tickLblPos val="nextTo"/>
-        <c:crossAx val="-1986374424"/>
+        <c:crossAx val="2141632184"/>
         <c:crosses val="autoZero"/>
         <c:auto val="1"/>
         <c:lblAlgn val="ctr"/>
@@ -446,7 +446,7 @@
         <c:noMultiLvlLbl val="0"/>
       </c:catAx>
       <c:valAx>
-        <c:axId val="-1986374424"/>
+        <c:axId val="2141632184"/>
         <c:scaling>
           <c:orientation val="minMax"/>
           <c:max val="100.0"/>
@@ -478,7 +478,7 @@
         <c:majorTickMark val="out"/>
         <c:minorTickMark val="none"/>
         <c:tickLblPos val="nextTo"/>
-        <c:crossAx val="-1986416296"/>
+        <c:crossAx val="2141517976"/>
         <c:crosses val="autoZero"/>
         <c:crossBetween val="between"/>
         <c:majorUnit val="50.0"/>
@@ -693,6 +693,7 @@
           <c:dLbls>
             <c:dLbl>
               <c:idx val="0"/>
+              <c:layout/>
               <c:numFmt formatCode="#,##0.00" sourceLinked="0"/>
               <c:spPr/>
               <c:txPr>
@@ -719,6 +720,7 @@
             </c:dLbl>
             <c:dLbl>
               <c:idx val="1"/>
+              <c:layout/>
               <c:numFmt formatCode="#,##0.00" sourceLinked="0"/>
               <c:spPr/>
               <c:txPr>
@@ -1041,7 +1043,7 @@
           <a:p>
             <a:fld id="{C8A432C8-69A7-458B-9684-2BFA64B31948}" type="datetime2">
               <a:rPr lang="en-US" smtClean="0"/>
-              <a:t>Sunday, November 17, 13</a:t>
+              <a:t>Monday, November 18, 13</a:t>
             </a:fld>
             <a:endParaRPr lang="en-US"/>
           </a:p>
@@ -1243,7 +1245,7 @@
           <a:p>
             <a:fld id="{8CC057FC-95B6-4D89-AFDA-ABA33EE921E5}" type="datetime2">
               <a:rPr lang="en-US" smtClean="0"/>
-              <a:t>Sunday, November 17, 13</a:t>
+              <a:t>Monday, November 18, 13</a:t>
             </a:fld>
             <a:endParaRPr lang="en-US"/>
           </a:p>
@@ -1420,7 +1422,7 @@
           <a:p>
             <a:fld id="{EC4549AC-EB31-477F-92A9-B1988E232878}" type="datetime2">
               <a:rPr lang="en-US" smtClean="0"/>
-              <a:t>Sunday, November 17, 13</a:t>
+              <a:t>Monday, November 18, 13</a:t>
             </a:fld>
             <a:endParaRPr lang="en-US"/>
           </a:p>
@@ -1587,7 +1589,7 @@
           <a:p>
             <a:fld id="{6396A3A3-94A6-4E5B-AF39-173ACA3E61CC}" type="datetime2">
               <a:rPr lang="en-US" smtClean="0"/>
-              <a:t>Sunday, November 17, 13</a:t>
+              <a:t>Monday, November 18, 13</a:t>
             </a:fld>
             <a:endParaRPr lang="en-US"/>
           </a:p>
@@ -1837,7 +1839,7 @@
           <a:p>
             <a:fld id="{9933D019-A32C-4EAD-B8E6-DBDA699692FD}" type="datetime2">
               <a:rPr lang="en-US" smtClean="0"/>
-              <a:t>Sunday, November 17, 13</a:t>
+              <a:t>Monday, November 18, 13</a:t>
             </a:fld>
             <a:endParaRPr lang="en-US"/>
           </a:p>
@@ -2157,7 +2159,7 @@
           <a:p>
             <a:fld id="{CCEBA98F-560C-4997-81C4-81D4D9187EAB}" type="datetime2">
               <a:rPr lang="en-US" smtClean="0"/>
-              <a:t>Sunday, November 17, 13</a:t>
+              <a:t>Monday, November 18, 13</a:t>
             </a:fld>
             <a:endParaRPr lang="en-US"/>
           </a:p>
@@ -2625,7 +2627,7 @@
           <a:p>
             <a:fld id="{150972B2-CA5C-437D-87D0-8081271A9E4B}" type="datetime2">
               <a:rPr lang="en-US" smtClean="0"/>
-              <a:t>Sunday, November 17, 13</a:t>
+              <a:t>Monday, November 18, 13</a:t>
             </a:fld>
             <a:endParaRPr lang="en-US"/>
           </a:p>
@@ -2775,7 +2777,7 @@
           <a:p>
             <a:fld id="{79CD4847-11EF-4466-A8AD-85CDB7B49118}" type="datetime2">
               <a:rPr lang="en-US" smtClean="0"/>
-              <a:t>Sunday, November 17, 13</a:t>
+              <a:t>Monday, November 18, 13</a:t>
             </a:fld>
             <a:endParaRPr lang="en-US"/>
           </a:p>
@@ -2867,7 +2869,7 @@
           <a:p>
             <a:fld id="{F168457A-3AB9-4880-8A0C-9F8524491207}" type="datetime2">
               <a:rPr lang="en-US" smtClean="0"/>
-              <a:t>Sunday, November 17, 13</a:t>
+              <a:t>Monday, November 18, 13</a:t>
             </a:fld>
             <a:endParaRPr lang="en-US"/>
           </a:p>
@@ -3143,7 +3145,7 @@
           <a:p>
             <a:fld id="{3FE976D3-5B7F-4300-ABED-C91F1B2AE209}" type="datetime2">
               <a:rPr lang="en-US" smtClean="0"/>
-              <a:t>Sunday, November 17, 13</a:t>
+              <a:t>Monday, November 18, 13</a:t>
             </a:fld>
             <a:endParaRPr lang="en-US"/>
           </a:p>
@@ -3450,7 +3452,7 @@
           <a:p>
             <a:fld id="{EBDC1E59-17DD-41CE-97CA-624A472382D4}" type="datetime2">
               <a:rPr lang="en-US" smtClean="0"/>
-              <a:t>Sunday, November 17, 13</a:t>
+              <a:t>Monday, November 18, 13</a:t>
             </a:fld>
             <a:endParaRPr lang="en-US"/>
           </a:p>
@@ -3750,7 +3752,7 @@
           <a:p>
             <a:fld id="{A80CB818-7379-467D-8E76-EF9D9074A26C}" type="datetime2">
               <a:rPr lang="en-US" smtClean="0"/>
-              <a:t>Sunday, November 17, 13</a:t>
+              <a:t>Monday, November 18, 13</a:t>
             </a:fld>
             <a:endParaRPr lang="en-US" dirty="0"/>
           </a:p>
@@ -4523,8 +4525,21 @@
           <a:p>
             <a:r>
               <a:rPr lang="en-US" dirty="0" smtClean="0"/>
-              <a:t>About 450 DMCA complaints/year</a:t>
-            </a:r>
+              <a:t>Copyright Violations: ~450 </a:t>
+            </a:r>
+            <a:r>
+              <a:rPr lang="en-US" dirty="0" smtClean="0"/>
+              <a:t>DMCA complaints</a:t>
+            </a:r>
+            <a:r>
+              <a:rPr lang="en-US" dirty="0" smtClean="0"/>
+              <a:t>/</a:t>
+            </a:r>
+            <a:r>
+              <a:rPr lang="en-US" dirty="0" err="1" smtClean="0"/>
+              <a:t>yr</a:t>
+            </a:r>
+            <a:endParaRPr lang="en-US" dirty="0" smtClean="0"/>
           </a:p>
         </p:txBody>
       </p:sp>
